--- a/docs/nbis_annotation/slides/Funcitonal_annotation.pptx
+++ b/docs/nbis_annotation/slides/Funcitonal_annotation.pptx
@@ -230,7 +230,7 @@
           <a:p>
             <a:fld id="{3933F24A-D00E-A046-B556-E531FC793A8F}" type="datetimeFigureOut">
               <a:rPr lang="en-US" smtClean="0"/>
-              <a:t>02/05/17</a:t>
+              <a:t>18-02-28</a:t>
             </a:fld>
             <a:endParaRPr lang="en-US"/>
           </a:p>
@@ -395,7 +395,7 @@
           <a:p>
             <a:fld id="{C7EC7248-6056-D54E-B28E-FCA3D2E52C52}" type="datetimeFigureOut">
               <a:rPr lang="en-US" smtClean="0"/>
-              <a:t>02/05/17</a:t>
+              <a:t>18-02-28</a:t>
             </a:fld>
             <a:endParaRPr lang="en-US"/>
           </a:p>
@@ -4946,7 +4946,7 @@
           <a:p>
             <a:fld id="{3F399E3B-73AE-4B4C-82C7-F9AF3F7AF108}" type="datetimeFigureOut">
               <a:rPr lang="en-US" smtClean="0"/>
-              <a:t>02/05/17</a:t>
+              <a:t>18-02-28</a:t>
             </a:fld>
             <a:endParaRPr lang="en-US"/>
           </a:p>
@@ -5132,7 +5132,7 @@
           <a:p>
             <a:fld id="{3F399E3B-73AE-4B4C-82C7-F9AF3F7AF108}" type="datetimeFigureOut">
               <a:rPr lang="en-US" smtClean="0"/>
-              <a:t>02/05/17</a:t>
+              <a:t>18-02-28</a:t>
             </a:fld>
             <a:endParaRPr lang="en-US"/>
           </a:p>
@@ -5323,7 +5323,7 @@
           <a:p>
             <a:fld id="{3F399E3B-73AE-4B4C-82C7-F9AF3F7AF108}" type="datetimeFigureOut">
               <a:rPr lang="en-US" smtClean="0"/>
-              <a:t>02/05/17</a:t>
+              <a:t>18-02-28</a:t>
             </a:fld>
             <a:endParaRPr lang="en-US"/>
           </a:p>
@@ -5426,7 +5426,7 @@
           <a:p>
             <a:fld id="{3F399E3B-73AE-4B4C-82C7-F9AF3F7AF108}" type="datetimeFigureOut">
               <a:rPr lang="en-US" smtClean="0"/>
-              <a:t>02/05/17</a:t>
+              <a:t>18-02-28</a:t>
             </a:fld>
             <a:endParaRPr lang="en-US"/>
           </a:p>
@@ -5646,7 +5646,7 @@
           <a:p>
             <a:fld id="{3F399E3B-73AE-4B4C-82C7-F9AF3F7AF108}" type="datetimeFigureOut">
               <a:rPr lang="en-US" smtClean="0"/>
-              <a:t>02/05/17</a:t>
+              <a:t>18-02-28</a:t>
             </a:fld>
             <a:endParaRPr lang="en-US"/>
           </a:p>
@@ -6059,7 +6059,7 @@
           <a:p>
             <a:fld id="{3F399E3B-73AE-4B4C-82C7-F9AF3F7AF108}" type="datetimeFigureOut">
               <a:rPr lang="en-US" smtClean="0"/>
-              <a:t>02/05/17</a:t>
+              <a:t>18-02-28</a:t>
             </a:fld>
             <a:endParaRPr lang="en-US"/>
           </a:p>
@@ -6281,7 +6281,7 @@
           <a:p>
             <a:fld id="{3F399E3B-73AE-4B4C-82C7-F9AF3F7AF108}" type="datetimeFigureOut">
               <a:rPr lang="en-US" smtClean="0"/>
-              <a:t>02/05/17</a:t>
+              <a:t>18-02-28</a:t>
             </a:fld>
             <a:endParaRPr lang="en-US"/>
           </a:p>
@@ -6538,7 +6538,7 @@
           <a:p>
             <a:fld id="{3F399E3B-73AE-4B4C-82C7-F9AF3F7AF108}" type="datetimeFigureOut">
               <a:rPr lang="en-US" smtClean="0"/>
-              <a:t>02/05/17</a:t>
+              <a:t>18-02-28</a:t>
             </a:fld>
             <a:endParaRPr lang="en-US"/>
           </a:p>
@@ -6842,7 +6842,7 @@
           <a:p>
             <a:fld id="{3F399E3B-73AE-4B4C-82C7-F9AF3F7AF108}" type="datetimeFigureOut">
               <a:rPr lang="en-US" smtClean="0"/>
-              <a:t>02/05/17</a:t>
+              <a:t>18-02-28</a:t>
             </a:fld>
             <a:endParaRPr lang="en-US"/>
           </a:p>
@@ -7280,7 +7280,7 @@
           <a:p>
             <a:fld id="{3F399E3B-73AE-4B4C-82C7-F9AF3F7AF108}" type="datetimeFigureOut">
               <a:rPr lang="en-US" smtClean="0"/>
-              <a:t>02/05/17</a:t>
+              <a:t>18-02-28</a:t>
             </a:fld>
             <a:endParaRPr lang="en-US"/>
           </a:p>
@@ -7414,7 +7414,7 @@
           <a:p>
             <a:fld id="{3F399E3B-73AE-4B4C-82C7-F9AF3F7AF108}" type="datetimeFigureOut">
               <a:rPr lang="en-US" smtClean="0"/>
-              <a:t>02/05/17</a:t>
+              <a:t>18-02-28</a:t>
             </a:fld>
             <a:endParaRPr lang="en-US"/>
           </a:p>
@@ -7600,7 +7600,7 @@
           <a:p>
             <a:fld id="{3F399E3B-73AE-4B4C-82C7-F9AF3F7AF108}" type="datetimeFigureOut">
               <a:rPr lang="en-US" smtClean="0"/>
-              <a:t>02/05/17</a:t>
+              <a:t>18-02-28</a:t>
             </a:fld>
             <a:endParaRPr lang="en-US"/>
           </a:p>
@@ -7703,7 +7703,7 @@
           <a:p>
             <a:fld id="{3F399E3B-73AE-4B4C-82C7-F9AF3F7AF108}" type="datetimeFigureOut">
               <a:rPr lang="en-US" smtClean="0"/>
-              <a:t>02/05/17</a:t>
+              <a:t>18-02-28</a:t>
             </a:fld>
             <a:endParaRPr lang="en-US"/>
           </a:p>
@@ -7991,7 +7991,7 @@
           <a:p>
             <a:fld id="{3F399E3B-73AE-4B4C-82C7-F9AF3F7AF108}" type="datetimeFigureOut">
               <a:rPr lang="en-US" smtClean="0"/>
-              <a:t>02/05/17</a:t>
+              <a:t>18-02-28</a:t>
             </a:fld>
             <a:endParaRPr lang="en-US"/>
           </a:p>
@@ -8259,7 +8259,7 @@
           <a:p>
             <a:fld id="{3F399E3B-73AE-4B4C-82C7-F9AF3F7AF108}" type="datetimeFigureOut">
               <a:rPr lang="en-US" smtClean="0"/>
-              <a:t>02/05/17</a:t>
+              <a:t>18-02-28</a:t>
             </a:fld>
             <a:endParaRPr lang="en-US"/>
           </a:p>
@@ -8445,7 +8445,7 @@
           <a:p>
             <a:fld id="{3F399E3B-73AE-4B4C-82C7-F9AF3F7AF108}" type="datetimeFigureOut">
               <a:rPr lang="en-US" smtClean="0"/>
-              <a:t>02/05/17</a:t>
+              <a:t>18-02-28</a:t>
             </a:fld>
             <a:endParaRPr lang="en-US"/>
           </a:p>
@@ -8636,7 +8636,7 @@
           <a:p>
             <a:fld id="{3F399E3B-73AE-4B4C-82C7-F9AF3F7AF108}" type="datetimeFigureOut">
               <a:rPr lang="en-US" smtClean="0"/>
-              <a:t>02/05/17</a:t>
+              <a:t>18-02-28</a:t>
             </a:fld>
             <a:endParaRPr lang="en-US"/>
           </a:p>
@@ -8739,7 +8739,7 @@
           <a:p>
             <a:fld id="{3F399E3B-73AE-4B4C-82C7-F9AF3F7AF108}" type="datetimeFigureOut">
               <a:rPr lang="en-US" smtClean="0"/>
-              <a:t>02/05/17</a:t>
+              <a:t>18-02-28</a:t>
             </a:fld>
             <a:endParaRPr lang="en-US"/>
           </a:p>
@@ -8959,7 +8959,7 @@
           <a:p>
             <a:fld id="{3F399E3B-73AE-4B4C-82C7-F9AF3F7AF108}" type="datetimeFigureOut">
               <a:rPr lang="en-US" smtClean="0"/>
-              <a:t>02/05/17</a:t>
+              <a:t>18-02-28</a:t>
             </a:fld>
             <a:endParaRPr lang="en-US"/>
           </a:p>
@@ -9376,7 +9376,7 @@
           <a:p>
             <a:fld id="{3F399E3B-73AE-4B4C-82C7-F9AF3F7AF108}" type="datetimeFigureOut">
               <a:rPr lang="en-US" smtClean="0"/>
-              <a:t>02/05/17</a:t>
+              <a:t>18-02-28</a:t>
             </a:fld>
             <a:endParaRPr lang="en-US"/>
           </a:p>
@@ -9680,7 +9680,7 @@
           <a:p>
             <a:fld id="{3F399E3B-73AE-4B4C-82C7-F9AF3F7AF108}" type="datetimeFigureOut">
               <a:rPr lang="en-US" smtClean="0"/>
-              <a:t>02/05/17</a:t>
+              <a:t>18-02-28</a:t>
             </a:fld>
             <a:endParaRPr lang="en-US"/>
           </a:p>
@@ -10118,7 +10118,7 @@
           <a:p>
             <a:fld id="{3F399E3B-73AE-4B4C-82C7-F9AF3F7AF108}" type="datetimeFigureOut">
               <a:rPr lang="en-US" smtClean="0"/>
-              <a:t>02/05/17</a:t>
+              <a:t>18-02-28</a:t>
             </a:fld>
             <a:endParaRPr lang="en-US"/>
           </a:p>
@@ -10252,7 +10252,7 @@
           <a:p>
             <a:fld id="{3F399E3B-73AE-4B4C-82C7-F9AF3F7AF108}" type="datetimeFigureOut">
               <a:rPr lang="en-US" smtClean="0"/>
-              <a:t>02/05/17</a:t>
+              <a:t>18-02-28</a:t>
             </a:fld>
             <a:endParaRPr lang="en-US"/>
           </a:p>
@@ -10355,7 +10355,7 @@
           <a:p>
             <a:fld id="{3F399E3B-73AE-4B4C-82C7-F9AF3F7AF108}" type="datetimeFigureOut">
               <a:rPr lang="en-US" smtClean="0"/>
-              <a:t>02/05/17</a:t>
+              <a:t>18-02-28</a:t>
             </a:fld>
             <a:endParaRPr lang="en-US"/>
           </a:p>
@@ -10643,7 +10643,7 @@
           <a:p>
             <a:fld id="{3F399E3B-73AE-4B4C-82C7-F9AF3F7AF108}" type="datetimeFigureOut">
               <a:rPr lang="en-US" smtClean="0"/>
-              <a:t>02/05/17</a:t>
+              <a:t>18-02-28</a:t>
             </a:fld>
             <a:endParaRPr lang="en-US"/>
           </a:p>
@@ -10911,7 +10911,7 @@
           <a:p>
             <a:fld id="{3F399E3B-73AE-4B4C-82C7-F9AF3F7AF108}" type="datetimeFigureOut">
               <a:rPr lang="en-US" smtClean="0"/>
-              <a:t>02/05/17</a:t>
+              <a:t>18-02-28</a:t>
             </a:fld>
             <a:endParaRPr lang="en-US"/>
           </a:p>
@@ -11099,7 +11099,7 @@
           <a:p>
             <a:fld id="{3F399E3B-73AE-4B4C-82C7-F9AF3F7AF108}" type="datetimeFigureOut">
               <a:rPr lang="en-US" smtClean="0"/>
-              <a:t>02/05/17</a:t>
+              <a:t>18-02-28</a:t>
             </a:fld>
             <a:endParaRPr lang="en-US"/>
           </a:p>
@@ -12047,7 +12047,7 @@
           <a:p>
             <a:fld id="{3F399E3B-73AE-4B4C-82C7-F9AF3F7AF108}" type="datetimeFigureOut">
               <a:rPr lang="en-US" smtClean="0"/>
-              <a:t>02/05/17</a:t>
+              <a:t>18-02-28</a:t>
             </a:fld>
             <a:endParaRPr lang="en-US"/>
           </a:p>
@@ -13145,186 +13145,6 @@
       </p:sp>
       <p:sp>
         <p:nvSpPr>
-          <p:cNvPr id="9" name="Platshållare för text 8"/>
-          <p:cNvSpPr txBox="1">
-            <a:spLocks/>
-          </p:cNvSpPr>
-          <p:nvPr/>
-        </p:nvSpPr>
-        <p:spPr>
-          <a:xfrm>
-            <a:off x="5501819" y="2756037"/>
-            <a:ext cx="3545044" cy="279295"/>
-          </a:xfrm>
-          <a:prstGeom prst="rect">
-            <a:avLst/>
-          </a:prstGeom>
-        </p:spPr>
-        <p:txBody>
-          <a:bodyPr/>
-          <a:lstStyle>
-            <a:lvl1pPr marL="342900" indent="-342900" algn="l" defTabSz="457200" rtl="0" eaLnBrk="1" latinLnBrk="0" hangingPunct="1">
-              <a:spcBef>
-                <a:spcPct val="20000"/>
-              </a:spcBef>
-              <a:buFont typeface="Arial"/>
-              <a:buChar char="•"/>
-              <a:defRPr sz="2000" kern="1200">
-                <a:solidFill>
-                  <a:schemeClr val="tx1"/>
-                </a:solidFill>
-                <a:latin typeface="Arial"/>
-                <a:ea typeface="+mn-ea"/>
-                <a:cs typeface="Arial"/>
-              </a:defRPr>
-            </a:lvl1pPr>
-            <a:lvl2pPr marL="742950" indent="-285750" algn="l" defTabSz="457200" rtl="0" eaLnBrk="1" latinLnBrk="0" hangingPunct="1">
-              <a:spcBef>
-                <a:spcPct val="20000"/>
-              </a:spcBef>
-              <a:buFont typeface="Arial"/>
-              <a:buChar char="–"/>
-              <a:defRPr sz="2000" kern="1200">
-                <a:solidFill>
-                  <a:schemeClr val="tx1"/>
-                </a:solidFill>
-                <a:latin typeface="Arial"/>
-                <a:ea typeface="+mn-ea"/>
-                <a:cs typeface="Arial"/>
-              </a:defRPr>
-            </a:lvl2pPr>
-            <a:lvl3pPr marL="1143000" indent="-228600" algn="l" defTabSz="457200" rtl="0" eaLnBrk="1" latinLnBrk="0" hangingPunct="1">
-              <a:spcBef>
-                <a:spcPct val="20000"/>
-              </a:spcBef>
-              <a:buFont typeface="Arial"/>
-              <a:buChar char="•"/>
-              <a:defRPr sz="2000" kern="1200">
-                <a:solidFill>
-                  <a:schemeClr val="tx1"/>
-                </a:solidFill>
-                <a:latin typeface="Arial"/>
-                <a:ea typeface="+mn-ea"/>
-                <a:cs typeface="Arial"/>
-              </a:defRPr>
-            </a:lvl3pPr>
-            <a:lvl4pPr marL="1600200" indent="-228600" algn="l" defTabSz="457200" rtl="0" eaLnBrk="1" latinLnBrk="0" hangingPunct="1">
-              <a:spcBef>
-                <a:spcPct val="20000"/>
-              </a:spcBef>
-              <a:buFont typeface="Arial"/>
-              <a:buChar char="–"/>
-              <a:defRPr sz="2000" kern="1200">
-                <a:solidFill>
-                  <a:schemeClr val="tx1"/>
-                </a:solidFill>
-                <a:latin typeface="Arial"/>
-                <a:ea typeface="+mn-ea"/>
-                <a:cs typeface="Arial"/>
-              </a:defRPr>
-            </a:lvl4pPr>
-            <a:lvl5pPr marL="2057400" indent="-228600" algn="l" defTabSz="457200" rtl="0" eaLnBrk="1" latinLnBrk="0" hangingPunct="1">
-              <a:spcBef>
-                <a:spcPct val="20000"/>
-              </a:spcBef>
-              <a:buFont typeface="Arial"/>
-              <a:buChar char="»"/>
-              <a:defRPr sz="2000" kern="1200">
-                <a:solidFill>
-                  <a:schemeClr val="tx1"/>
-                </a:solidFill>
-                <a:latin typeface="Arial"/>
-                <a:ea typeface="+mn-ea"/>
-                <a:cs typeface="Arial"/>
-              </a:defRPr>
-            </a:lvl5pPr>
-            <a:lvl6pPr marL="2514600" indent="-228600" algn="l" defTabSz="457200" rtl="0" eaLnBrk="1" latinLnBrk="0" hangingPunct="1">
-              <a:spcBef>
-                <a:spcPct val="20000"/>
-              </a:spcBef>
-              <a:buFont typeface="Arial"/>
-              <a:buChar char="•"/>
-              <a:defRPr sz="2000" kern="1200">
-                <a:solidFill>
-                  <a:schemeClr val="tx1"/>
-                </a:solidFill>
-                <a:latin typeface="+mn-lt"/>
-                <a:ea typeface="+mn-ea"/>
-                <a:cs typeface="+mn-cs"/>
-              </a:defRPr>
-            </a:lvl6pPr>
-            <a:lvl7pPr marL="2971800" indent="-228600" algn="l" defTabSz="457200" rtl="0" eaLnBrk="1" latinLnBrk="0" hangingPunct="1">
-              <a:spcBef>
-                <a:spcPct val="20000"/>
-              </a:spcBef>
-              <a:buFont typeface="Arial"/>
-              <a:buChar char="•"/>
-              <a:defRPr sz="2000" kern="1200">
-                <a:solidFill>
-                  <a:schemeClr val="tx1"/>
-                </a:solidFill>
-                <a:latin typeface="+mn-lt"/>
-                <a:ea typeface="+mn-ea"/>
-                <a:cs typeface="+mn-cs"/>
-              </a:defRPr>
-            </a:lvl7pPr>
-            <a:lvl8pPr marL="3429000" indent="-228600" algn="l" defTabSz="457200" rtl="0" eaLnBrk="1" latinLnBrk="0" hangingPunct="1">
-              <a:spcBef>
-                <a:spcPct val="20000"/>
-              </a:spcBef>
-              <a:buFont typeface="Arial"/>
-              <a:buChar char="•"/>
-              <a:defRPr sz="2000" kern="1200">
-                <a:solidFill>
-                  <a:schemeClr val="tx1"/>
-                </a:solidFill>
-                <a:latin typeface="+mn-lt"/>
-                <a:ea typeface="+mn-ea"/>
-                <a:cs typeface="+mn-cs"/>
-              </a:defRPr>
-            </a:lvl8pPr>
-            <a:lvl9pPr marL="3886200" indent="-228600" algn="l" defTabSz="457200" rtl="0" eaLnBrk="1" latinLnBrk="0" hangingPunct="1">
-              <a:spcBef>
-                <a:spcPct val="20000"/>
-              </a:spcBef>
-              <a:buFont typeface="Arial"/>
-              <a:buChar char="•"/>
-              <a:defRPr sz="2000" kern="1200">
-                <a:solidFill>
-                  <a:schemeClr val="tx1"/>
-                </a:solidFill>
-                <a:latin typeface="+mn-lt"/>
-                <a:ea typeface="+mn-ea"/>
-                <a:cs typeface="+mn-cs"/>
-              </a:defRPr>
-            </a:lvl9pPr>
-          </a:lstStyle>
-          <a:p>
-            <a:pPr marL="0" indent="0">
-              <a:buNone/>
-            </a:pPr>
-            <a:r>
-              <a:rPr lang="sv-SE" dirty="0" smtClean="0"/>
-              <a:t>Uppsala</a:t>
-            </a:r>
-            <a:r>
-              <a:rPr lang="sv-SE" dirty="0" smtClean="0"/>
-              <a:t> 9th-11th </a:t>
-            </a:r>
-            <a:r>
-              <a:rPr lang="en-US" dirty="0" smtClean="0"/>
-              <a:t>may</a:t>
-            </a:r>
-            <a:r>
-              <a:rPr lang="en-US" dirty="0" smtClean="0"/>
-              <a:t> 2017</a:t>
-            </a:r>
-            <a:endParaRPr lang="sv-SE" dirty="0"/>
-          </a:p>
-        </p:txBody>
-      </p:sp>
-      <p:sp>
-        <p:nvSpPr>
           <p:cNvPr id="2" name="TextBox 1"/>
           <p:cNvSpPr txBox="1"/>
           <p:nvPr/>
@@ -13351,73 +13171,50 @@
       </p:sp>
       <p:sp>
         <p:nvSpPr>
-          <p:cNvPr id="3" name="TextBox 2"/>
-          <p:cNvSpPr txBox="1"/>
+          <p:cNvPr id="10" name="Rubrik 6"/>
+          <p:cNvSpPr txBox="1">
+            <a:spLocks/>
+          </p:cNvSpPr>
           <p:nvPr/>
         </p:nvSpPr>
         <p:spPr>
           <a:xfrm>
-            <a:off x="3512867" y="3967887"/>
-            <a:ext cx="1841344" cy="523220"/>
+            <a:off x="7178351" y="960381"/>
+            <a:ext cx="1985511" cy="304788"/>
           </a:xfrm>
           <a:prstGeom prst="rect">
             <a:avLst/>
           </a:prstGeom>
-          <a:noFill/>
+          <a:ln>
+            <a:noFill/>
+          </a:ln>
         </p:spPr>
         <p:txBody>
-          <a:bodyPr wrap="none" rtlCol="0">
-            <a:spAutoFit/>
+          <a:bodyPr vert="horz" lIns="0" tIns="0" rIns="0" bIns="0" rtlCol="0" anchor="t" anchorCtr="0">
+            <a:noAutofit/>
           </a:bodyPr>
-          <a:lstStyle/>
-          <a:p>
-            <a:r>
-              <a:rPr lang="en-US" sz="2800" dirty="0"/>
-              <a:t>L</a:t>
-            </a:r>
-            <a:r>
-              <a:rPr lang="en-US" sz="2800" dirty="0" smtClean="0"/>
-              <a:t>ucile Soler</a:t>
-            </a:r>
-            <a:endParaRPr lang="en-US" sz="2800" dirty="0"/>
-          </a:p>
-        </p:txBody>
-      </p:sp>
-      <p:sp>
-        <p:nvSpPr>
-          <p:cNvPr id="7" name="TextBox 6"/>
-          <p:cNvSpPr txBox="1"/>
-          <p:nvPr/>
-        </p:nvSpPr>
-        <p:spPr>
-          <a:xfrm>
-            <a:off x="5285658" y="6314108"/>
-            <a:ext cx="3745662" cy="369332"/>
-          </a:xfrm>
-          <a:prstGeom prst="rect">
-            <a:avLst/>
-          </a:prstGeom>
-          <a:noFill/>
-        </p:spPr>
-        <p:txBody>
-          <a:bodyPr wrap="none" rtlCol="0">
-            <a:spAutoFit/>
-          </a:bodyPr>
-          <a:lstStyle/>
-          <a:p>
-            <a:r>
-              <a:rPr lang="en-US" dirty="0" smtClean="0"/>
-              <a:t>Based on Jacques </a:t>
-            </a:r>
-            <a:r>
-              <a:rPr lang="en-US" dirty="0" err="1" smtClean="0"/>
-              <a:t>Dainat</a:t>
-            </a:r>
-            <a:r>
-              <a:rPr lang="en-US" dirty="0" smtClean="0"/>
-              <a:t> presentation</a:t>
-            </a:r>
-            <a:endParaRPr lang="en-US" dirty="0"/>
+          <a:lstStyle>
+            <a:lvl1pPr algn="l" defTabSz="457200" rtl="0" eaLnBrk="1" latinLnBrk="0" hangingPunct="1">
+              <a:spcBef>
+                <a:spcPct val="0"/>
+              </a:spcBef>
+              <a:buNone/>
+              <a:defRPr sz="3200" b="1" i="0" kern="1200">
+                <a:solidFill>
+                  <a:schemeClr val="tx1"/>
+                </a:solidFill>
+                <a:latin typeface="Arial"/>
+                <a:ea typeface="+mj-ea"/>
+                <a:cs typeface="Arial"/>
+              </a:defRPr>
+            </a:lvl1pPr>
+          </a:lstStyle>
+          <a:p>
+            <a:r>
+              <a:rPr lang="sv-SE" sz="1600" b="0" dirty="0" smtClean="0"/>
+              <a:t>Jacques Dainat PhD</a:t>
+            </a:r>
+            <a:endParaRPr lang="sv-SE" sz="1600" b="0" dirty="0"/>
           </a:p>
         </p:txBody>
       </p:sp>
@@ -15239,13 +15036,8 @@
           <a:p>
             <a:r>
               <a:rPr lang="en-US" sz="2000" dirty="0" smtClean="0"/>
-              <a:t>Blast-based annotation are tightly dependent to the quality of the </a:t>
-            </a:r>
-            <a:r>
-              <a:rPr lang="en-US" sz="2000" dirty="0" smtClean="0"/>
-              <a:t>structural annotation</a:t>
-            </a:r>
-            <a:endParaRPr lang="en-US" sz="2000" dirty="0" smtClean="0"/>
+              <a:t>Blast-based annotation are tightly dependent to the quality of the structural annotation</a:t>
+            </a:r>
           </a:p>
           <a:p>
             <a:endParaRPr lang="en-US" dirty="0" smtClean="0"/>
@@ -21190,15 +20982,7 @@
           <a:p>
             <a:r>
               <a:rPr lang="en-US" sz="1400" dirty="0" smtClean="0"/>
-              <a:t>Not </a:t>
-            </a:r>
-            <a:r>
-              <a:rPr lang="en-US" sz="1400" dirty="0" smtClean="0"/>
-              <a:t>integrated </a:t>
-            </a:r>
-            <a:r>
-              <a:rPr lang="en-US" sz="1400" dirty="0" smtClean="0"/>
-              <a:t>signatures = signature </a:t>
+              <a:t>Not integrated signatures = signature </a:t>
             </a:r>
             <a:r>
               <a:rPr lang="en-US" sz="1400" dirty="0"/>
@@ -22454,25 +22238,8 @@
                 <a:ea typeface="+mn-ea"/>
                 <a:cs typeface="+mn-cs"/>
               </a:rPr>
-              <a:t> or CLC bio </a:t>
-            </a:r>
-            <a:r>
-              <a:rPr lang="en-US" dirty="0" smtClean="0">
-                <a:solidFill>
-                  <a:srgbClr val="000000"/>
-                </a:solidFill>
-                <a:ea typeface="+mn-ea"/>
-                <a:cs typeface="+mn-cs"/>
-              </a:rPr>
-              <a:t>Workbench (commercial tools for downstream analyses)</a:t>
-            </a:r>
-            <a:endParaRPr lang="en-US" dirty="0" smtClean="0">
-              <a:solidFill>
-                <a:srgbClr val="000000"/>
-              </a:solidFill>
-              <a:ea typeface="+mn-ea"/>
-              <a:cs typeface="+mn-cs"/>
-            </a:endParaRPr>
+              <a:t> or CLC bio Workbench (commercial tools for downstream analyses)</a:t>
+            </a:r>
           </a:p>
           <a:p>
             <a:pPr marL="914400" lvl="2" indent="0" fontAlgn="auto">
@@ -26471,21 +26238,8 @@
                   <a:srgbClr val="000000"/>
                 </a:solidFill>
               </a:rPr>
-              <a:t>gene has no function </a:t>
-            </a:r>
-            <a:r>
-              <a:rPr lang="en-US" dirty="0" smtClean="0">
-                <a:solidFill>
-                  <a:srgbClr val="000000"/>
-                </a:solidFill>
-              </a:rPr>
-              <a:t>alone</a:t>
-            </a:r>
-            <a:endParaRPr lang="en-US" dirty="0" smtClean="0">
-              <a:solidFill>
-                <a:srgbClr val="000000"/>
-              </a:solidFill>
-            </a:endParaRPr>
+              <a:t>gene has no function alone</a:t>
+            </a:r>
           </a:p>
           <a:p>
             <a:pPr marL="0" indent="0" algn="ctr">
@@ -27212,8 +26966,8 @@
         </p:nvSpPr>
         <p:spPr>
           <a:xfrm>
-            <a:off x="1712395" y="3002029"/>
-            <a:ext cx="6508713" cy="584776"/>
+            <a:off x="0" y="6457890"/>
+            <a:ext cx="4147289" cy="400110"/>
           </a:xfrm>
           <a:prstGeom prst="rect">
             <a:avLst/>
@@ -27227,23 +26981,23 @@
           <a:lstStyle/>
           <a:p>
             <a:r>
-              <a:rPr lang="en-US" sz="3200" dirty="0"/>
+              <a:rPr lang="en-US" sz="2000" dirty="0"/>
               <a:t>https://</a:t>
             </a:r>
             <a:r>
-              <a:rPr lang="en-US" sz="3200" dirty="0" err="1"/>
+              <a:rPr lang="en-US" sz="2000" dirty="0" err="1"/>
               <a:t>github.com</a:t>
             </a:r>
             <a:r>
-              <a:rPr lang="en-US" sz="3200" dirty="0"/>
+              <a:rPr lang="en-US" sz="2000" dirty="0"/>
               <a:t>/</a:t>
             </a:r>
             <a:r>
-              <a:rPr lang="en-US" sz="3200" dirty="0" err="1"/>
+              <a:rPr lang="en-US" sz="2000" dirty="0" err="1"/>
               <a:t>NBISweden</a:t>
             </a:r>
             <a:r>
-              <a:rPr lang="en-US" sz="3200" dirty="0"/>
+              <a:rPr lang="en-US" sz="2000" dirty="0"/>
               <a:t>/GAAS</a:t>
             </a:r>
           </a:p>
@@ -27575,8 +27329,9 @@
             </a:pPr>
             <a:r>
               <a:rPr lang="en-US" dirty="0" smtClean="0"/>
-              <a:t>Precise</a:t>
-            </a:r>
+              <a:t>Accurate</a:t>
+            </a:r>
+            <a:endParaRPr lang="en-US" dirty="0" smtClean="0"/>
           </a:p>
           <a:p>
             <a:pPr marL="0" indent="0">
